--- a/pitch pocket italy v2.pptx
+++ b/pitch pocket italy v2.pptx
@@ -246,7 +246,7 @@
         <p:txBody>
           <a:bodyPr/>
           <a:p>
-            <a:fld id="{0E31EBB6-8E44-4B28-B937-668D5C974FFD}" type="slidenum">
+            <a:fld id="{47AC510C-6BBF-4A82-82D9-FC625D6537CC}" type="slidenum">
               <a:t>&lt;#&gt;</a:t>
             </a:fld>
           </a:p>
@@ -288,7 +288,7 @@
         <p:txBody>
           <a:bodyPr/>
           <a:p>
-            <a:fld id="{F315EB11-5BE7-46D3-B0AE-A6FCD44D4A0D}" type="slidenum">
+            <a:fld id="{4BCC68F6-7484-495C-A253-65989C25C391}" type="slidenum">
               <a:t>&lt;#&gt;</a:t>
             </a:fld>
           </a:p>
@@ -499,7 +499,7 @@
         <p:txBody>
           <a:bodyPr/>
           <a:p>
-            <a:fld id="{1A22D5EA-10DA-4F3B-A5D9-C5EF6EAEA9D1}" type="slidenum">
+            <a:fld id="{9D007568-0948-47E2-935F-FCE5D4F87964}" type="slidenum">
               <a:t>&lt;#&gt;</a:t>
             </a:fld>
           </a:p>
@@ -710,7 +710,7 @@
         <p:txBody>
           <a:bodyPr/>
           <a:p>
-            <a:fld id="{F885EC86-1F22-4F8F-8471-994E88DFD467}" type="slidenum">
+            <a:fld id="{9CF50218-0EFF-4A9E-AC8A-C889C6D6D54C}" type="slidenum">
               <a:t>&lt;#&gt;</a:t>
             </a:fld>
           </a:p>
@@ -921,7 +921,7 @@
         <p:txBody>
           <a:bodyPr/>
           <a:p>
-            <a:fld id="{C3FC4FB9-843E-475C-910D-CA07366AA4ED}" type="slidenum">
+            <a:fld id="{22D9FC5F-1144-4B38-8056-0E74B478D144}" type="slidenum">
               <a:t>&lt;#&gt;</a:t>
             </a:fld>
           </a:p>
@@ -1089,7 +1089,7 @@
         <p:txBody>
           <a:bodyPr/>
           <a:p>
-            <a:fld id="{4687C3E1-B2B3-4934-9B27-559A4D1F1938}" type="slidenum">
+            <a:fld id="{4C216030-E5EA-47A9-AF99-C4931A8A5792}" type="slidenum">
               <a:t>&lt;#&gt;</a:t>
             </a:fld>
           </a:p>
@@ -1343,7 +1343,7 @@
         <p:txBody>
           <a:bodyPr/>
           <a:p>
-            <a:fld id="{A2FCA042-0683-4CE3-B8B4-C0A1DFB1DCEE}" type="slidenum">
+            <a:fld id="{ECB37EA2-ED4A-415D-8F9E-4FA7447C9471}" type="slidenum">
               <a:t>&lt;#&gt;</a:t>
             </a:fld>
           </a:p>
@@ -1385,7 +1385,7 @@
         <p:txBody>
           <a:bodyPr/>
           <a:p>
-            <a:fld id="{39284C37-203F-42C3-9CC4-78A63C0164B1}" type="slidenum">
+            <a:fld id="{A6FCCA32-6AD3-4EE7-B364-BAA1606ECAF6}" type="slidenum">
               <a:t>&lt;#&gt;</a:t>
             </a:fld>
           </a:p>
@@ -1427,7 +1427,7 @@
         <p:txBody>
           <a:bodyPr/>
           <a:p>
-            <a:fld id="{57C079B6-8297-4BFF-AAB0-ADD1B41A03FF}" type="slidenum">
+            <a:fld id="{F2357431-02A6-4E6D-BF9C-5E1A5A2FD584}" type="slidenum">
               <a:t>&lt;#&gt;</a:t>
             </a:fld>
           </a:p>
@@ -1552,7 +1552,7 @@
         <p:txBody>
           <a:bodyPr/>
           <a:p>
-            <a:fld id="{2261190A-11B3-4DE3-9F16-3AF98025D332}" type="slidenum">
+            <a:fld id="{EFD75AC1-B257-481C-BB1A-57AF1CD69E55}" type="slidenum">
               <a:t>&lt;#&gt;</a:t>
             </a:fld>
           </a:p>
@@ -1677,7 +1677,7 @@
         <p:txBody>
           <a:bodyPr/>
           <a:p>
-            <a:fld id="{59AAC52C-EACE-4AE2-BC1C-E94CA61630AB}" type="slidenum">
+            <a:fld id="{5A5B5D57-E0E7-4DD4-B362-2291A33BA458}" type="slidenum">
               <a:t>&lt;#&gt;</a:t>
             </a:fld>
           </a:p>
@@ -1845,7 +1845,7 @@
         <p:txBody>
           <a:bodyPr/>
           <a:p>
-            <a:fld id="{0C62F772-F0D4-4B17-9BE3-550DB13E41E4}" type="slidenum">
+            <a:fld id="{756B310D-A3CF-453C-9AE3-62CDB537628B}" type="slidenum">
               <a:t>&lt;#&gt;</a:t>
             </a:fld>
           </a:p>
@@ -2013,7 +2013,7 @@
         <p:txBody>
           <a:bodyPr/>
           <a:p>
-            <a:fld id="{23294AE0-7359-46EE-A670-20F2EB87FAD6}" type="slidenum">
+            <a:fld id="{294D03CB-7A4E-4826-9913-D8FFA8BB0F80}" type="slidenum">
               <a:t>&lt;#&gt;</a:t>
             </a:fld>
           </a:p>
@@ -2095,7 +2095,7 @@
         <p:txBody>
           <a:bodyPr/>
           <a:p>
-            <a:fld id="{E85EC4E4-9DC4-47F3-92D7-D7AE29CFEED1}" type="slidenum">
+            <a:fld id="{34F2E01A-126D-4E7D-8BF9-529446031539}" type="slidenum">
               <a:t>&lt;#&gt;</a:t>
             </a:fld>
           </a:p>
@@ -2137,7 +2137,7 @@
         <p:txBody>
           <a:bodyPr/>
           <a:p>
-            <a:fld id="{D3EC9C6C-CFCB-447A-B7C5-88D58427874B}" type="slidenum">
+            <a:fld id="{989B14E8-2764-4193-8AB7-862E77B8E35C}" type="slidenum">
               <a:t>&lt;#&gt;</a:t>
             </a:fld>
           </a:p>
@@ -2348,7 +2348,7 @@
         <p:txBody>
           <a:bodyPr/>
           <a:p>
-            <a:fld id="{22243B40-CE52-4888-845A-166DC0A9A151}" type="slidenum">
+            <a:fld id="{A4C58E74-01BF-4BDD-AA05-E35160CCC1C5}" type="slidenum">
               <a:t>&lt;#&gt;</a:t>
             </a:fld>
           </a:p>
@@ -2559,7 +2559,7 @@
         <p:txBody>
           <a:bodyPr/>
           <a:p>
-            <a:fld id="{223FDC58-E80C-4D24-9B6D-FCD61E893E47}" type="slidenum">
+            <a:fld id="{135898A4-5024-442B-BCA4-D70D4DAD83E5}" type="slidenum">
               <a:t>&lt;#&gt;</a:t>
             </a:fld>
           </a:p>
@@ -2813,7 +2813,7 @@
         <p:txBody>
           <a:bodyPr/>
           <a:p>
-            <a:fld id="{5635627E-25CC-4AE7-BD38-2F5B231ED6A0}" type="slidenum">
+            <a:fld id="{B99B6F3D-7D94-43E5-8A41-1C52F808D1C3}" type="slidenum">
               <a:t>&lt;#&gt;</a:t>
             </a:fld>
           </a:p>
@@ -2855,7 +2855,7 @@
         <p:txBody>
           <a:bodyPr/>
           <a:p>
-            <a:fld id="{3C182135-09CD-4405-B88A-55A203840169}" type="slidenum">
+            <a:fld id="{B86173EB-2F7D-4E64-8AD8-AF7B6E572D2E}" type="slidenum">
               <a:t>&lt;#&gt;</a:t>
             </a:fld>
           </a:p>
@@ -2897,7 +2897,7 @@
         <p:txBody>
           <a:bodyPr/>
           <a:p>
-            <a:fld id="{17AF4FA8-1CBE-4BA0-B0F9-D5DCC920B1B5}" type="slidenum">
+            <a:fld id="{2203C591-6477-4741-8940-52B6D5A2037D}" type="slidenum">
               <a:t>&lt;#&gt;</a:t>
             </a:fld>
           </a:p>
@@ -3022,7 +3022,7 @@
         <p:txBody>
           <a:bodyPr/>
           <a:p>
-            <a:fld id="{98EDA90B-14B0-4A36-81FA-F8983A7021D0}" type="slidenum">
+            <a:fld id="{01374CD1-B42B-4A3B-AD52-D92D675FAC78}" type="slidenum">
               <a:t>&lt;#&gt;</a:t>
             </a:fld>
           </a:p>
@@ -3147,7 +3147,7 @@
         <p:txBody>
           <a:bodyPr/>
           <a:p>
-            <a:fld id="{DE3DA52B-EA84-458E-9D16-F6C213B3692A}" type="slidenum">
+            <a:fld id="{63E998DB-BA1F-4124-92B1-B76726D23173}" type="slidenum">
               <a:t>&lt;#&gt;</a:t>
             </a:fld>
           </a:p>
@@ -3315,7 +3315,7 @@
         <p:txBody>
           <a:bodyPr/>
           <a:p>
-            <a:fld id="{8E7806FA-8408-48DB-8B20-7A5902DEC53A}" type="slidenum">
+            <a:fld id="{2C95942B-0B76-455C-AB14-55C532BE8312}" type="slidenum">
               <a:t>&lt;#&gt;</a:t>
             </a:fld>
           </a:p>
@@ -3397,7 +3397,7 @@
         <p:txBody>
           <a:bodyPr/>
           <a:p>
-            <a:fld id="{1CC39FAA-A88F-4C57-96C6-E33048871808}" type="slidenum">
+            <a:fld id="{60098647-D095-43E8-BFC9-D2B098D69F29}" type="slidenum">
               <a:t>&lt;#&gt;</a:t>
             </a:fld>
           </a:p>
@@ -3441,7 +3441,7 @@
         <p:spPr>
           <a:xfrm>
             <a:off x="0" y="0"/>
-            <a:ext cx="9141120" cy="484920"/>
+            <a:ext cx="9140760" cy="484560"/>
           </a:xfrm>
           <a:prstGeom prst="rect">
             <a:avLst/>
@@ -3490,10 +3490,10 @@
         </p:nvGrpSpPr>
         <p:grpSpPr>
           <a:xfrm>
-            <a:off x="530280" y="1208160"/>
-            <a:ext cx="1340280" cy="14760"/>
-            <a:chOff x="530280" y="1208160"/>
-            <a:chExt cx="1340280" cy="14760"/>
+            <a:off x="530280" y="1208520"/>
+            <a:ext cx="1339920" cy="14400"/>
+            <a:chOff x="530280" y="1208520"/>
+            <a:chExt cx="1339920" cy="14400"/>
           </a:xfrm>
         </p:grpSpPr>
         <p:sp>
@@ -3504,8 +3504,8 @@
           </p:nvSpPr>
           <p:spPr>
             <a:xfrm rot="16200000">
-              <a:off x="1380600" y="732960"/>
-              <a:ext cx="14760" cy="964800"/>
+              <a:off x="1380600" y="733320"/>
+              <a:ext cx="14400" cy="964440"/>
             </a:xfrm>
             <a:prstGeom prst="rect">
               <a:avLst/>
@@ -3554,8 +3554,8 @@
           </p:nvSpPr>
           <p:spPr>
             <a:xfrm rot="16200000">
-              <a:off x="1009440" y="729000"/>
-              <a:ext cx="14760" cy="973080"/>
+              <a:off x="1009440" y="729360"/>
+              <a:ext cx="14400" cy="972720"/>
             </a:xfrm>
             <a:prstGeom prst="rect">
               <a:avLst/>
@@ -4334,7 +4334,7 @@
         <p:spPr>
           <a:xfrm>
             <a:off x="8536320" y="4749840"/>
-            <a:ext cx="545760" cy="390600"/>
+            <a:ext cx="545400" cy="390240"/>
           </a:xfrm>
           <a:prstGeom prst="rect">
             <a:avLst/>
@@ -4376,7 +4376,7 @@
                 <a:tab algn="l" pos="0"/>
               </a:tabLst>
             </a:pPr>
-            <a:fld id="{17560221-DB95-4833-BFAD-4C1FF1E624E6}" type="slidenum">
+            <a:fld id="{FC6C7F40-808C-4464-B851-55EE505D4B1D}" type="slidenum">
               <a:rPr b="0" lang="it" sz="1000" spc="-1" strike="noStrike">
                 <a:solidFill>
                   <a:schemeClr val="accent1"/>
@@ -4437,7 +4437,7 @@
         <p:spPr>
           <a:xfrm>
             <a:off x="0" y="0"/>
-            <a:ext cx="9141120" cy="484920"/>
+            <a:ext cx="9140760" cy="484560"/>
           </a:xfrm>
           <a:prstGeom prst="rect">
             <a:avLst/>
@@ -4486,10 +4486,10 @@
         </p:nvGrpSpPr>
         <p:grpSpPr>
           <a:xfrm>
-            <a:off x="530280" y="1208160"/>
-            <a:ext cx="1340280" cy="14760"/>
-            <a:chOff x="530280" y="1208160"/>
-            <a:chExt cx="1340280" cy="14760"/>
+            <a:off x="530280" y="1208520"/>
+            <a:ext cx="1339920" cy="14400"/>
+            <a:chOff x="530280" y="1208520"/>
+            <a:chExt cx="1339920" cy="14400"/>
           </a:xfrm>
         </p:grpSpPr>
         <p:sp>
@@ -4500,8 +4500,8 @@
           </p:nvSpPr>
           <p:spPr>
             <a:xfrm rot="16200000">
-              <a:off x="1380600" y="732960"/>
-              <a:ext cx="14760" cy="964800"/>
+              <a:off x="1380600" y="733320"/>
+              <a:ext cx="14400" cy="964440"/>
             </a:xfrm>
             <a:prstGeom prst="rect">
               <a:avLst/>
@@ -4550,8 +4550,8 @@
           </p:nvSpPr>
           <p:spPr>
             <a:xfrm rot="16200000">
-              <a:off x="1009440" y="729000"/>
-              <a:ext cx="14760" cy="973080"/>
+              <a:off x="1009440" y="729360"/>
+              <a:ext cx="14400" cy="972720"/>
             </a:xfrm>
             <a:prstGeom prst="rect">
               <a:avLst/>
@@ -4606,7 +4606,7 @@
         <p:spPr>
           <a:xfrm>
             <a:off x="8536320" y="4749840"/>
-            <a:ext cx="545760" cy="390600"/>
+            <a:ext cx="545400" cy="390240"/>
           </a:xfrm>
           <a:prstGeom prst="rect">
             <a:avLst/>
@@ -4648,7 +4648,7 @@
                 <a:tab algn="l" pos="0"/>
               </a:tabLst>
             </a:pPr>
-            <a:fld id="{704060AA-5C4A-4911-A4CF-D89C49A3303E}" type="slidenum">
+            <a:fld id="{61D581DE-CB14-4938-8DFA-DACFA3D76285}" type="slidenum">
               <a:rPr b="0" lang="it" sz="1000" spc="-1" strike="noStrike">
                 <a:solidFill>
                   <a:schemeClr val="accent1"/>
@@ -4709,7 +4709,7 @@
         <p:spPr>
           <a:xfrm>
             <a:off x="0" y="0"/>
-            <a:ext cx="9141120" cy="484920"/>
+            <a:ext cx="9140760" cy="484560"/>
           </a:xfrm>
           <a:prstGeom prst="rect">
             <a:avLst/>
@@ -4758,10 +4758,10 @@
         </p:nvGrpSpPr>
         <p:grpSpPr>
           <a:xfrm>
-            <a:off x="530280" y="1208160"/>
-            <a:ext cx="1340280" cy="14760"/>
-            <a:chOff x="530280" y="1208160"/>
-            <a:chExt cx="1340280" cy="14760"/>
+            <a:off x="530280" y="1208520"/>
+            <a:ext cx="1339920" cy="14400"/>
+            <a:chOff x="530280" y="1208520"/>
+            <a:chExt cx="1339920" cy="14400"/>
           </a:xfrm>
         </p:grpSpPr>
         <p:sp>
@@ -4772,8 +4772,8 @@
           </p:nvSpPr>
           <p:spPr>
             <a:xfrm rot="16200000">
-              <a:off x="1380600" y="732960"/>
-              <a:ext cx="14760" cy="964800"/>
+              <a:off x="1380600" y="733320"/>
+              <a:ext cx="14400" cy="964440"/>
             </a:xfrm>
             <a:prstGeom prst="rect">
               <a:avLst/>
@@ -4822,8 +4822,8 @@
           </p:nvSpPr>
           <p:spPr>
             <a:xfrm rot="16200000">
-              <a:off x="1009440" y="729000"/>
-              <a:ext cx="14760" cy="973080"/>
+              <a:off x="1009440" y="729360"/>
+              <a:ext cx="14400" cy="972720"/>
             </a:xfrm>
             <a:prstGeom prst="rect">
               <a:avLst/>
@@ -5602,7 +5602,7 @@
         <p:spPr>
           <a:xfrm>
             <a:off x="8536320" y="4749840"/>
-            <a:ext cx="545760" cy="390600"/>
+            <a:ext cx="545400" cy="390240"/>
           </a:xfrm>
           <a:prstGeom prst="rect">
             <a:avLst/>
@@ -5644,7 +5644,7 @@
                 <a:tab algn="l" pos="0"/>
               </a:tabLst>
             </a:pPr>
-            <a:fld id="{BD6D51C9-D78F-4CD5-B8D6-8BB9020CA9F6}" type="slidenum">
+            <a:fld id="{7517843E-DFD2-4C31-8C25-2115E7453C8E}" type="slidenum">
               <a:rPr b="0" lang="it" sz="1000" spc="-1" strike="noStrike">
                 <a:solidFill>
                   <a:schemeClr val="accent1"/>
@@ -5705,7 +5705,7 @@
         <p:spPr>
           <a:xfrm>
             <a:off x="0" y="0"/>
-            <a:ext cx="9141120" cy="484920"/>
+            <a:ext cx="9140760" cy="484560"/>
           </a:xfrm>
           <a:prstGeom prst="rect">
             <a:avLst/>
@@ -5754,10 +5754,10 @@
         </p:nvGrpSpPr>
         <p:grpSpPr>
           <a:xfrm>
-            <a:off x="530280" y="1208160"/>
-            <a:ext cx="1340280" cy="14760"/>
-            <a:chOff x="530280" y="1208160"/>
-            <a:chExt cx="1340280" cy="14760"/>
+            <a:off x="530280" y="1208520"/>
+            <a:ext cx="1339920" cy="14400"/>
+            <a:chOff x="530280" y="1208520"/>
+            <a:chExt cx="1339920" cy="14400"/>
           </a:xfrm>
         </p:grpSpPr>
         <p:sp>
@@ -5768,8 +5768,8 @@
           </p:nvSpPr>
           <p:spPr>
             <a:xfrm rot="16200000">
-              <a:off x="1380600" y="732960"/>
-              <a:ext cx="14760" cy="964800"/>
+              <a:off x="1380600" y="733320"/>
+              <a:ext cx="14400" cy="964440"/>
             </a:xfrm>
             <a:prstGeom prst="rect">
               <a:avLst/>
@@ -5818,8 +5818,8 @@
           </p:nvSpPr>
           <p:spPr>
             <a:xfrm rot="16200000">
-              <a:off x="1009440" y="729000"/>
-              <a:ext cx="14760" cy="973080"/>
+              <a:off x="1009440" y="729360"/>
+              <a:ext cx="14400" cy="972720"/>
             </a:xfrm>
             <a:prstGeom prst="rect">
               <a:avLst/>
@@ -6598,7 +6598,7 @@
         <p:spPr>
           <a:xfrm>
             <a:off x="8536320" y="4749840"/>
-            <a:ext cx="545760" cy="390600"/>
+            <a:ext cx="545400" cy="390240"/>
           </a:xfrm>
           <a:prstGeom prst="rect">
             <a:avLst/>
@@ -6640,7 +6640,7 @@
                 <a:tab algn="l" pos="0"/>
               </a:tabLst>
             </a:pPr>
-            <a:fld id="{F35C3805-B664-446E-AF3E-22C181A850FD}" type="slidenum">
+            <a:fld id="{7C935F6B-6C65-4143-8413-A250B8233DA4}" type="slidenum">
               <a:rPr b="0" lang="it" sz="1000" spc="-1" strike="noStrike">
                 <a:solidFill>
                   <a:schemeClr val="accent1"/>
@@ -6701,7 +6701,7 @@
         <p:spPr>
           <a:xfrm>
             <a:off x="0" y="0"/>
-            <a:ext cx="9141120" cy="484920"/>
+            <a:ext cx="9140760" cy="484560"/>
           </a:xfrm>
           <a:prstGeom prst="rect">
             <a:avLst/>
@@ -6750,10 +6750,10 @@
         </p:nvGrpSpPr>
         <p:grpSpPr>
           <a:xfrm>
-            <a:off x="530280" y="1208160"/>
-            <a:ext cx="1340280" cy="14760"/>
-            <a:chOff x="530280" y="1208160"/>
-            <a:chExt cx="1340280" cy="14760"/>
+            <a:off x="530280" y="1208520"/>
+            <a:ext cx="1339920" cy="14400"/>
+            <a:chOff x="530280" y="1208520"/>
+            <a:chExt cx="1339920" cy="14400"/>
           </a:xfrm>
         </p:grpSpPr>
         <p:sp>
@@ -6764,8 +6764,8 @@
           </p:nvSpPr>
           <p:spPr>
             <a:xfrm rot="16200000">
-              <a:off x="1380600" y="732960"/>
-              <a:ext cx="14760" cy="964800"/>
+              <a:off x="1380600" y="733320"/>
+              <a:ext cx="14400" cy="964440"/>
             </a:xfrm>
             <a:prstGeom prst="rect">
               <a:avLst/>
@@ -6814,8 +6814,8 @@
           </p:nvSpPr>
           <p:spPr>
             <a:xfrm rot="16200000">
-              <a:off x="1009440" y="729000"/>
-              <a:ext cx="14760" cy="973080"/>
+              <a:off x="1009440" y="729360"/>
+              <a:ext cx="14400" cy="972720"/>
             </a:xfrm>
             <a:prstGeom prst="rect">
               <a:avLst/>
@@ -7594,7 +7594,7 @@
         <p:spPr>
           <a:xfrm>
             <a:off x="8536320" y="4749840"/>
-            <a:ext cx="545760" cy="390600"/>
+            <a:ext cx="545400" cy="390240"/>
           </a:xfrm>
           <a:prstGeom prst="rect">
             <a:avLst/>
@@ -7636,7 +7636,7 @@
                 <a:tab algn="l" pos="0"/>
               </a:tabLst>
             </a:pPr>
-            <a:fld id="{3C9BBE64-9370-4BF8-9276-707B986693C8}" type="slidenum">
+            <a:fld id="{1E10451C-A373-47B6-8068-CD0758ECA53D}" type="slidenum">
               <a:rPr b="0" lang="it" sz="1000" spc="-1" strike="noStrike">
                 <a:solidFill>
                   <a:schemeClr val="accent1"/>
@@ -7697,7 +7697,7 @@
         <p:spPr>
           <a:xfrm>
             <a:off x="0" y="0"/>
-            <a:ext cx="9141120" cy="484920"/>
+            <a:ext cx="9140760" cy="484560"/>
           </a:xfrm>
           <a:prstGeom prst="rect">
             <a:avLst/>
@@ -7746,10 +7746,10 @@
         </p:nvGrpSpPr>
         <p:grpSpPr>
           <a:xfrm>
-            <a:off x="530280" y="1208160"/>
-            <a:ext cx="1340280" cy="14760"/>
-            <a:chOff x="530280" y="1208160"/>
-            <a:chExt cx="1340280" cy="14760"/>
+            <a:off x="530280" y="1208520"/>
+            <a:ext cx="1339920" cy="14400"/>
+            <a:chOff x="530280" y="1208520"/>
+            <a:chExt cx="1339920" cy="14400"/>
           </a:xfrm>
         </p:grpSpPr>
         <p:sp>
@@ -7760,8 +7760,8 @@
           </p:nvSpPr>
           <p:spPr>
             <a:xfrm rot="16200000">
-              <a:off x="1380600" y="732960"/>
-              <a:ext cx="14760" cy="964800"/>
+              <a:off x="1380600" y="733320"/>
+              <a:ext cx="14400" cy="964440"/>
             </a:xfrm>
             <a:prstGeom prst="rect">
               <a:avLst/>
@@ -7810,8 +7810,8 @@
           </p:nvSpPr>
           <p:spPr>
             <a:xfrm rot="16200000">
-              <a:off x="1009440" y="729000"/>
-              <a:ext cx="14760" cy="973080"/>
+              <a:off x="1009440" y="729360"/>
+              <a:ext cx="14400" cy="972720"/>
             </a:xfrm>
             <a:prstGeom prst="rect">
               <a:avLst/>
@@ -8365,7 +8365,7 @@
         <p:spPr>
           <a:xfrm>
             <a:off x="8536320" y="4749840"/>
-            <a:ext cx="545760" cy="390600"/>
+            <a:ext cx="545400" cy="390240"/>
           </a:xfrm>
           <a:prstGeom prst="rect">
             <a:avLst/>
@@ -8407,7 +8407,7 @@
                 <a:tab algn="l" pos="0"/>
               </a:tabLst>
             </a:pPr>
-            <a:fld id="{DDEBA968-63DA-40B8-BF8F-1F7F04C6C862}" type="slidenum">
+            <a:fld id="{4C4FE5C1-3D88-4E9F-9DDA-731B7C2A44A3}" type="slidenum">
               <a:rPr b="0" lang="it" sz="1000" spc="-1" strike="noStrike">
                 <a:solidFill>
                   <a:schemeClr val="accent1"/>
@@ -8468,7 +8468,7 @@
         <p:spPr>
           <a:xfrm>
             <a:off x="0" y="0"/>
-            <a:ext cx="9141120" cy="484920"/>
+            <a:ext cx="9140760" cy="484560"/>
           </a:xfrm>
           <a:prstGeom prst="rect">
             <a:avLst/>
@@ -8517,10 +8517,10 @@
         </p:nvGrpSpPr>
         <p:grpSpPr>
           <a:xfrm>
-            <a:off x="530280" y="1208160"/>
-            <a:ext cx="1340280" cy="14760"/>
-            <a:chOff x="530280" y="1208160"/>
-            <a:chExt cx="1340280" cy="14760"/>
+            <a:off x="530280" y="1208520"/>
+            <a:ext cx="1339920" cy="14400"/>
+            <a:chOff x="530280" y="1208520"/>
+            <a:chExt cx="1339920" cy="14400"/>
           </a:xfrm>
         </p:grpSpPr>
         <p:sp>
@@ -8531,8 +8531,8 @@
           </p:nvSpPr>
           <p:spPr>
             <a:xfrm rot="16200000">
-              <a:off x="1380600" y="732960"/>
-              <a:ext cx="14760" cy="964800"/>
+              <a:off x="1380600" y="733320"/>
+              <a:ext cx="14400" cy="964440"/>
             </a:xfrm>
             <a:prstGeom prst="rect">
               <a:avLst/>
@@ -8581,8 +8581,8 @@
           </p:nvSpPr>
           <p:spPr>
             <a:xfrm rot="16200000">
-              <a:off x="1009440" y="729000"/>
-              <a:ext cx="14760" cy="973080"/>
+              <a:off x="1009440" y="729360"/>
+              <a:ext cx="14400" cy="972720"/>
             </a:xfrm>
             <a:prstGeom prst="rect">
               <a:avLst/>
@@ -9586,7 +9586,7 @@
         <p:spPr>
           <a:xfrm>
             <a:off x="8536320" y="4749840"/>
-            <a:ext cx="545760" cy="390600"/>
+            <a:ext cx="545400" cy="390240"/>
           </a:xfrm>
           <a:prstGeom prst="rect">
             <a:avLst/>
@@ -9628,7 +9628,7 @@
                 <a:tab algn="l" pos="0"/>
               </a:tabLst>
             </a:pPr>
-            <a:fld id="{3953BFCC-8364-4B1F-8CEF-E403E66FD8AF}" type="slidenum">
+            <a:fld id="{0688FD39-810B-43E6-8936-70324E0D78CE}" type="slidenum">
               <a:rPr b="0" lang="it" sz="1000" spc="-1" strike="noStrike">
                 <a:solidFill>
                   <a:schemeClr val="accent1"/>
@@ -9689,7 +9689,7 @@
         <p:spPr>
           <a:xfrm>
             <a:off x="0" y="0"/>
-            <a:ext cx="9141120" cy="484920"/>
+            <a:ext cx="9140760" cy="484560"/>
           </a:xfrm>
           <a:prstGeom prst="rect">
             <a:avLst/>
@@ -9738,10 +9738,10 @@
         </p:nvGrpSpPr>
         <p:grpSpPr>
           <a:xfrm>
-            <a:off x="530280" y="1208160"/>
-            <a:ext cx="1340280" cy="14760"/>
-            <a:chOff x="530280" y="1208160"/>
-            <a:chExt cx="1340280" cy="14760"/>
+            <a:off x="530280" y="1208520"/>
+            <a:ext cx="1339920" cy="14400"/>
+            <a:chOff x="530280" y="1208520"/>
+            <a:chExt cx="1339920" cy="14400"/>
           </a:xfrm>
         </p:grpSpPr>
         <p:sp>
@@ -9752,8 +9752,8 @@
           </p:nvSpPr>
           <p:spPr>
             <a:xfrm rot="16200000">
-              <a:off x="1380600" y="732960"/>
-              <a:ext cx="14760" cy="964800"/>
+              <a:off x="1380600" y="733320"/>
+              <a:ext cx="14400" cy="964440"/>
             </a:xfrm>
             <a:prstGeom prst="rect">
               <a:avLst/>
@@ -9802,8 +9802,8 @@
           </p:nvSpPr>
           <p:spPr>
             <a:xfrm rot="16200000">
-              <a:off x="1009440" y="729000"/>
-              <a:ext cx="14760" cy="973080"/>
+              <a:off x="1009440" y="729360"/>
+              <a:ext cx="14400" cy="972720"/>
             </a:xfrm>
             <a:prstGeom prst="rect">
               <a:avLst/>
@@ -9858,7 +9858,7 @@
         <p:spPr>
           <a:xfrm>
             <a:off x="8536320" y="4749840"/>
-            <a:ext cx="545760" cy="390600"/>
+            <a:ext cx="545400" cy="390240"/>
           </a:xfrm>
           <a:prstGeom prst="rect">
             <a:avLst/>
@@ -9900,7 +9900,7 @@
                 <a:tab algn="l" pos="0"/>
               </a:tabLst>
             </a:pPr>
-            <a:fld id="{CDAC8A29-E7E0-4128-B876-ECE5F213452F}" type="slidenum">
+            <a:fld id="{7B3876F0-54D0-45CD-BE54-D81380D95AAC}" type="slidenum">
               <a:rPr b="0" lang="it" sz="1000" spc="-1" strike="noStrike">
                 <a:solidFill>
                   <a:schemeClr val="accent1"/>
@@ -9961,7 +9961,7 @@
         <p:spPr>
           <a:xfrm>
             <a:off x="0" y="0"/>
-            <a:ext cx="9141120" cy="484920"/>
+            <a:ext cx="9140760" cy="484560"/>
           </a:xfrm>
           <a:prstGeom prst="rect">
             <a:avLst/>
@@ -10010,10 +10010,10 @@
         </p:nvGrpSpPr>
         <p:grpSpPr>
           <a:xfrm>
-            <a:off x="530280" y="1208160"/>
-            <a:ext cx="1340280" cy="14760"/>
-            <a:chOff x="530280" y="1208160"/>
-            <a:chExt cx="1340280" cy="14760"/>
+            <a:off x="530280" y="1208520"/>
+            <a:ext cx="1339920" cy="14400"/>
+            <a:chOff x="530280" y="1208520"/>
+            <a:chExt cx="1339920" cy="14400"/>
           </a:xfrm>
         </p:grpSpPr>
         <p:sp>
@@ -10024,8 +10024,8 @@
           </p:nvSpPr>
           <p:spPr>
             <a:xfrm rot="16200000">
-              <a:off x="1380600" y="732960"/>
-              <a:ext cx="14760" cy="964800"/>
+              <a:off x="1380600" y="733320"/>
+              <a:ext cx="14400" cy="964440"/>
             </a:xfrm>
             <a:prstGeom prst="rect">
               <a:avLst/>
@@ -10074,8 +10074,8 @@
           </p:nvSpPr>
           <p:spPr>
             <a:xfrm rot="16200000">
-              <a:off x="1009440" y="729000"/>
-              <a:ext cx="14760" cy="973080"/>
+              <a:off x="1009440" y="729360"/>
+              <a:ext cx="14400" cy="972720"/>
             </a:xfrm>
             <a:prstGeom prst="rect">
               <a:avLst/>
@@ -10130,7 +10130,7 @@
         <p:spPr>
           <a:xfrm>
             <a:off x="8536320" y="4749840"/>
-            <a:ext cx="545760" cy="390600"/>
+            <a:ext cx="545400" cy="390240"/>
           </a:xfrm>
           <a:prstGeom prst="rect">
             <a:avLst/>
@@ -10172,7 +10172,7 @@
                 <a:tab algn="l" pos="0"/>
               </a:tabLst>
             </a:pPr>
-            <a:fld id="{90CB3345-AF70-47D3-92C9-8E8CDFC9B70C}" type="slidenum">
+            <a:fld id="{A5273865-E0A4-4AEC-9599-5F8434CB5A46}" type="slidenum">
               <a:rPr b="0" lang="it" sz="1000" spc="-1" strike="noStrike">
                 <a:solidFill>
                   <a:schemeClr val="accent1"/>
@@ -10507,7 +10507,7 @@
         <p:spPr>
           <a:xfrm>
             <a:off x="0" y="0"/>
-            <a:ext cx="9141120" cy="484920"/>
+            <a:ext cx="9140760" cy="484560"/>
           </a:xfrm>
           <a:prstGeom prst="rect">
             <a:avLst/>
@@ -10556,10 +10556,10 @@
         </p:nvGrpSpPr>
         <p:grpSpPr>
           <a:xfrm>
-            <a:off x="530280" y="1208160"/>
-            <a:ext cx="1340280" cy="14760"/>
-            <a:chOff x="530280" y="1208160"/>
-            <a:chExt cx="1340280" cy="14760"/>
+            <a:off x="530280" y="1208520"/>
+            <a:ext cx="1339920" cy="14400"/>
+            <a:chOff x="530280" y="1208520"/>
+            <a:chExt cx="1339920" cy="14400"/>
           </a:xfrm>
         </p:grpSpPr>
         <p:sp>
@@ -10570,8 +10570,8 @@
           </p:nvSpPr>
           <p:spPr>
             <a:xfrm rot="16200000">
-              <a:off x="1380600" y="732960"/>
-              <a:ext cx="14760" cy="964800"/>
+              <a:off x="1380600" y="733320"/>
+              <a:ext cx="14400" cy="964440"/>
             </a:xfrm>
             <a:prstGeom prst="rect">
               <a:avLst/>
@@ -10620,8 +10620,8 @@
           </p:nvSpPr>
           <p:spPr>
             <a:xfrm rot="16200000">
-              <a:off x="1009440" y="729000"/>
-              <a:ext cx="14760" cy="973080"/>
+              <a:off x="1009440" y="729360"/>
+              <a:ext cx="14400" cy="972720"/>
             </a:xfrm>
             <a:prstGeom prst="rect">
               <a:avLst/>
@@ -10950,7 +10950,7 @@
         <p:spPr>
           <a:xfrm>
             <a:off x="8536320" y="4749840"/>
-            <a:ext cx="545760" cy="390600"/>
+            <a:ext cx="545400" cy="390240"/>
           </a:xfrm>
           <a:prstGeom prst="rect">
             <a:avLst/>
@@ -10992,7 +10992,7 @@
                 <a:tab algn="l" pos="0"/>
               </a:tabLst>
             </a:pPr>
-            <a:fld id="{A5B9B9F8-99F3-456B-8387-FB3395DD6728}" type="slidenum">
+            <a:fld id="{AC4E6C70-1254-4F75-A15C-DC1388BE2D5F}" type="slidenum">
               <a:rPr b="0" lang="it" sz="1000" spc="-1" strike="noStrike">
                 <a:solidFill>
                   <a:schemeClr val="accent1"/>
@@ -11053,7 +11053,7 @@
         <p:spPr>
           <a:xfrm>
             <a:off x="0" y="0"/>
-            <a:ext cx="9141120" cy="484920"/>
+            <a:ext cx="9140760" cy="484560"/>
           </a:xfrm>
           <a:prstGeom prst="rect">
             <a:avLst/>
@@ -11102,10 +11102,10 @@
         </p:nvGrpSpPr>
         <p:grpSpPr>
           <a:xfrm>
-            <a:off x="530280" y="1208160"/>
-            <a:ext cx="1340280" cy="14760"/>
-            <a:chOff x="530280" y="1208160"/>
-            <a:chExt cx="1340280" cy="14760"/>
+            <a:off x="530280" y="1208520"/>
+            <a:ext cx="1339920" cy="14400"/>
+            <a:chOff x="530280" y="1208520"/>
+            <a:chExt cx="1339920" cy="14400"/>
           </a:xfrm>
         </p:grpSpPr>
         <p:sp>
@@ -11116,8 +11116,8 @@
           </p:nvSpPr>
           <p:spPr>
             <a:xfrm rot="16200000">
-              <a:off x="1380600" y="732960"/>
-              <a:ext cx="14760" cy="964800"/>
+              <a:off x="1380600" y="733320"/>
+              <a:ext cx="14400" cy="964440"/>
             </a:xfrm>
             <a:prstGeom prst="rect">
               <a:avLst/>
@@ -11166,8 +11166,8 @@
           </p:nvSpPr>
           <p:spPr>
             <a:xfrm rot="16200000">
-              <a:off x="1009440" y="729000"/>
-              <a:ext cx="14760" cy="973080"/>
+              <a:off x="1009440" y="729360"/>
+              <a:ext cx="14400" cy="972720"/>
             </a:xfrm>
             <a:prstGeom prst="rect">
               <a:avLst/>
@@ -11496,7 +11496,7 @@
         <p:spPr>
           <a:xfrm>
             <a:off x="8536320" y="4749840"/>
-            <a:ext cx="545760" cy="390600"/>
+            <a:ext cx="545400" cy="390240"/>
           </a:xfrm>
           <a:prstGeom prst="rect">
             <a:avLst/>
@@ -11538,7 +11538,7 @@
                 <a:tab algn="l" pos="0"/>
               </a:tabLst>
             </a:pPr>
-            <a:fld id="{2B8C91FF-2FF6-459B-89AC-C4A6EE7FF670}" type="slidenum">
+            <a:fld id="{1F5D953C-203B-4782-B080-07D043ABAB44}" type="slidenum">
               <a:rPr b="0" lang="it" sz="1000" spc="-1" strike="noStrike">
                 <a:solidFill>
                   <a:schemeClr val="accent1"/>
@@ -11599,7 +11599,7 @@
         <p:spPr>
           <a:xfrm>
             <a:off x="0" y="0"/>
-            <a:ext cx="9141120" cy="484920"/>
+            <a:ext cx="9140760" cy="484560"/>
           </a:xfrm>
           <a:prstGeom prst="rect">
             <a:avLst/>
@@ -11648,10 +11648,10 @@
         </p:nvGrpSpPr>
         <p:grpSpPr>
           <a:xfrm>
-            <a:off x="530280" y="1208160"/>
-            <a:ext cx="1340280" cy="14760"/>
-            <a:chOff x="530280" y="1208160"/>
-            <a:chExt cx="1340280" cy="14760"/>
+            <a:off x="530280" y="1208520"/>
+            <a:ext cx="1339920" cy="14400"/>
+            <a:chOff x="530280" y="1208520"/>
+            <a:chExt cx="1339920" cy="14400"/>
           </a:xfrm>
         </p:grpSpPr>
         <p:sp>
@@ -11662,8 +11662,8 @@
           </p:nvSpPr>
           <p:spPr>
             <a:xfrm rot="16200000">
-              <a:off x="1380600" y="732960"/>
-              <a:ext cx="14760" cy="964800"/>
+              <a:off x="1380600" y="733320"/>
+              <a:ext cx="14400" cy="964440"/>
             </a:xfrm>
             <a:prstGeom prst="rect">
               <a:avLst/>
@@ -11712,8 +11712,8 @@
           </p:nvSpPr>
           <p:spPr>
             <a:xfrm rot="16200000">
-              <a:off x="1009440" y="729000"/>
-              <a:ext cx="14760" cy="973080"/>
+              <a:off x="1009440" y="729360"/>
+              <a:ext cx="14400" cy="972720"/>
             </a:xfrm>
             <a:prstGeom prst="rect">
               <a:avLst/>
@@ -12267,7 +12267,7 @@
         <p:spPr>
           <a:xfrm>
             <a:off x="8536320" y="4749840"/>
-            <a:ext cx="545760" cy="390600"/>
+            <a:ext cx="545400" cy="390240"/>
           </a:xfrm>
           <a:prstGeom prst="rect">
             <a:avLst/>
@@ -12309,7 +12309,7 @@
                 <a:tab algn="l" pos="0"/>
               </a:tabLst>
             </a:pPr>
-            <a:fld id="{D9E2356C-975C-4683-97DF-42AB53B7E2AA}" type="slidenum">
+            <a:fld id="{8502B19C-EE27-4BD0-899F-DD358D4658BF}" type="slidenum">
               <a:rPr b="0" lang="it" sz="1000" spc="-1" strike="noStrike">
                 <a:solidFill>
                   <a:schemeClr val="accent1"/>
@@ -12370,7 +12370,7 @@
         <p:spPr>
           <a:xfrm>
             <a:off x="0" y="0"/>
-            <a:ext cx="9141120" cy="484920"/>
+            <a:ext cx="9140760" cy="484560"/>
           </a:xfrm>
           <a:prstGeom prst="rect">
             <a:avLst/>
@@ -12419,10 +12419,10 @@
         </p:nvGrpSpPr>
         <p:grpSpPr>
           <a:xfrm>
-            <a:off x="530280" y="1208160"/>
-            <a:ext cx="1340280" cy="14760"/>
-            <a:chOff x="530280" y="1208160"/>
-            <a:chExt cx="1340280" cy="14760"/>
+            <a:off x="530280" y="1208520"/>
+            <a:ext cx="1339920" cy="14400"/>
+            <a:chOff x="530280" y="1208520"/>
+            <a:chExt cx="1339920" cy="14400"/>
           </a:xfrm>
         </p:grpSpPr>
         <p:sp>
@@ -12433,8 +12433,8 @@
           </p:nvSpPr>
           <p:spPr>
             <a:xfrm rot="16200000">
-              <a:off x="1380600" y="732960"/>
-              <a:ext cx="14760" cy="964800"/>
+              <a:off x="1380600" y="733320"/>
+              <a:ext cx="14400" cy="964440"/>
             </a:xfrm>
             <a:prstGeom prst="rect">
               <a:avLst/>
@@ -12483,8 +12483,8 @@
           </p:nvSpPr>
           <p:spPr>
             <a:xfrm rot="16200000">
-              <a:off x="1009440" y="729000"/>
-              <a:ext cx="14760" cy="973080"/>
+              <a:off x="1009440" y="729360"/>
+              <a:ext cx="14400" cy="972720"/>
             </a:xfrm>
             <a:prstGeom prst="rect">
               <a:avLst/>
@@ -13038,7 +13038,7 @@
         <p:spPr>
           <a:xfrm>
             <a:off x="8536320" y="4749840"/>
-            <a:ext cx="545760" cy="390600"/>
+            <a:ext cx="545400" cy="390240"/>
           </a:xfrm>
           <a:prstGeom prst="rect">
             <a:avLst/>
@@ -13080,7 +13080,7 @@
                 <a:tab algn="l" pos="0"/>
               </a:tabLst>
             </a:pPr>
-            <a:fld id="{BB8750EF-42C4-4FC5-BF7B-053C58FF5F84}" type="slidenum">
+            <a:fld id="{8823B0A8-3156-4A78-9472-24F8417B06E1}" type="slidenum">
               <a:rPr b="0" lang="it" sz="1000" spc="-1" strike="noStrike">
                 <a:solidFill>
                   <a:schemeClr val="accent1"/>
@@ -13141,7 +13141,7 @@
         <p:spPr>
           <a:xfrm>
             <a:off x="0" y="0"/>
-            <a:ext cx="9141120" cy="484920"/>
+            <a:ext cx="9140760" cy="484560"/>
           </a:xfrm>
           <a:prstGeom prst="rect">
             <a:avLst/>
@@ -13190,10 +13190,10 @@
         </p:nvGrpSpPr>
         <p:grpSpPr>
           <a:xfrm>
-            <a:off x="530280" y="1208160"/>
-            <a:ext cx="1340280" cy="14760"/>
-            <a:chOff x="530280" y="1208160"/>
-            <a:chExt cx="1340280" cy="14760"/>
+            <a:off x="530280" y="1208520"/>
+            <a:ext cx="1339920" cy="14400"/>
+            <a:chOff x="530280" y="1208520"/>
+            <a:chExt cx="1339920" cy="14400"/>
           </a:xfrm>
         </p:grpSpPr>
         <p:sp>
@@ -13204,8 +13204,8 @@
           </p:nvSpPr>
           <p:spPr>
             <a:xfrm rot="16200000">
-              <a:off x="1380600" y="732960"/>
-              <a:ext cx="14760" cy="964800"/>
+              <a:off x="1380600" y="733320"/>
+              <a:ext cx="14400" cy="964440"/>
             </a:xfrm>
             <a:prstGeom prst="rect">
               <a:avLst/>
@@ -13254,8 +13254,8 @@
           </p:nvSpPr>
           <p:spPr>
             <a:xfrm rot="16200000">
-              <a:off x="1009440" y="729000"/>
-              <a:ext cx="14760" cy="973080"/>
+              <a:off x="1009440" y="729360"/>
+              <a:ext cx="14400" cy="972720"/>
             </a:xfrm>
             <a:prstGeom prst="rect">
               <a:avLst/>
@@ -13359,7 +13359,7 @@
         <p:spPr>
           <a:xfrm>
             <a:off x="8536320" y="4749840"/>
-            <a:ext cx="545760" cy="390600"/>
+            <a:ext cx="545400" cy="390240"/>
           </a:xfrm>
           <a:prstGeom prst="rect">
             <a:avLst/>
@@ -13401,7 +13401,7 @@
                 <a:tab algn="l" pos="0"/>
               </a:tabLst>
             </a:pPr>
-            <a:fld id="{FE1FFC51-3D1C-4FCE-8CFE-AF51A73BE605}" type="slidenum">
+            <a:fld id="{86B3A540-ABD3-455A-AF42-693490F7BD2C}" type="slidenum">
               <a:rPr b="0" lang="it" sz="1000" spc="-1" strike="noStrike">
                 <a:solidFill>
                   <a:schemeClr val="accent1"/>
@@ -13462,7 +13462,7 @@
         <p:spPr>
           <a:xfrm>
             <a:off x="0" y="0"/>
-            <a:ext cx="9141120" cy="484920"/>
+            <a:ext cx="9140760" cy="484560"/>
           </a:xfrm>
           <a:prstGeom prst="rect">
             <a:avLst/>
@@ -13511,10 +13511,10 @@
         </p:nvGrpSpPr>
         <p:grpSpPr>
           <a:xfrm>
-            <a:off x="530280" y="1208160"/>
-            <a:ext cx="1340280" cy="14760"/>
-            <a:chOff x="530280" y="1208160"/>
-            <a:chExt cx="1340280" cy="14760"/>
+            <a:off x="530280" y="1208520"/>
+            <a:ext cx="1339920" cy="14400"/>
+            <a:chOff x="530280" y="1208520"/>
+            <a:chExt cx="1339920" cy="14400"/>
           </a:xfrm>
         </p:grpSpPr>
         <p:sp>
@@ -13525,8 +13525,8 @@
           </p:nvSpPr>
           <p:spPr>
             <a:xfrm rot="16200000">
-              <a:off x="1380600" y="732960"/>
-              <a:ext cx="14760" cy="964800"/>
+              <a:off x="1380600" y="733320"/>
+              <a:ext cx="14400" cy="964440"/>
             </a:xfrm>
             <a:prstGeom prst="rect">
               <a:avLst/>
@@ -13575,8 +13575,8 @@
           </p:nvSpPr>
           <p:spPr>
             <a:xfrm rot="16200000">
-              <a:off x="1009440" y="729000"/>
-              <a:ext cx="14760" cy="973080"/>
+              <a:off x="1009440" y="729360"/>
+              <a:ext cx="14400" cy="972720"/>
             </a:xfrm>
             <a:prstGeom prst="rect">
               <a:avLst/>
@@ -13631,7 +13631,7 @@
         <p:spPr>
           <a:xfrm>
             <a:off x="8536320" y="4749840"/>
-            <a:ext cx="545760" cy="390600"/>
+            <a:ext cx="545400" cy="390240"/>
           </a:xfrm>
           <a:prstGeom prst="rect">
             <a:avLst/>
@@ -13673,7 +13673,7 @@
                 <a:tab algn="l" pos="0"/>
               </a:tabLst>
             </a:pPr>
-            <a:fld id="{93CF39DB-2DC3-4A88-AE0F-710C5869D77C}" type="slidenum">
+            <a:fld id="{C499EE4F-792D-4CC6-BD14-8DE3ED1A3FFC}" type="slidenum">
               <a:rPr b="0" lang="it" sz="1000" spc="-1" strike="noStrike">
                 <a:solidFill>
                   <a:schemeClr val="accent1"/>
@@ -13734,7 +13734,7 @@
         <p:spPr>
           <a:xfrm>
             <a:off x="0" y="0"/>
-            <a:ext cx="9141120" cy="484920"/>
+            <a:ext cx="9140760" cy="484560"/>
           </a:xfrm>
           <a:prstGeom prst="rect">
             <a:avLst/>
@@ -13783,10 +13783,10 @@
         </p:nvGrpSpPr>
         <p:grpSpPr>
           <a:xfrm>
-            <a:off x="530280" y="1208160"/>
-            <a:ext cx="1340280" cy="14760"/>
-            <a:chOff x="530280" y="1208160"/>
-            <a:chExt cx="1340280" cy="14760"/>
+            <a:off x="530280" y="1208520"/>
+            <a:ext cx="1339920" cy="14400"/>
+            <a:chOff x="530280" y="1208520"/>
+            <a:chExt cx="1339920" cy="14400"/>
           </a:xfrm>
         </p:grpSpPr>
         <p:sp>
@@ -13797,8 +13797,8 @@
           </p:nvSpPr>
           <p:spPr>
             <a:xfrm rot="16200000">
-              <a:off x="1380600" y="732960"/>
-              <a:ext cx="14760" cy="964800"/>
+              <a:off x="1380600" y="733320"/>
+              <a:ext cx="14400" cy="964440"/>
             </a:xfrm>
             <a:prstGeom prst="rect">
               <a:avLst/>
@@ -13847,8 +13847,8 @@
           </p:nvSpPr>
           <p:spPr>
             <a:xfrm rot="16200000">
-              <a:off x="1009440" y="729000"/>
-              <a:ext cx="14760" cy="973080"/>
+              <a:off x="1009440" y="729360"/>
+              <a:ext cx="14400" cy="972720"/>
             </a:xfrm>
             <a:prstGeom prst="rect">
               <a:avLst/>
@@ -14627,7 +14627,7 @@
         <p:spPr>
           <a:xfrm>
             <a:off x="8536320" y="4749840"/>
-            <a:ext cx="545760" cy="390600"/>
+            <a:ext cx="545400" cy="390240"/>
           </a:xfrm>
           <a:prstGeom prst="rect">
             <a:avLst/>
@@ -14669,7 +14669,7 @@
                 <a:tab algn="l" pos="0"/>
               </a:tabLst>
             </a:pPr>
-            <a:fld id="{86455BCD-A847-43D8-9361-884E414B373C}" type="slidenum">
+            <a:fld id="{953B6889-E1DF-48F5-BD5C-C70E07B3386D}" type="slidenum">
               <a:rPr b="0" lang="it" sz="1000" spc="-1" strike="noStrike">
                 <a:solidFill>
                   <a:schemeClr val="accent1"/>
@@ -14730,7 +14730,7 @@
         <p:spPr>
           <a:xfrm>
             <a:off x="0" y="0"/>
-            <a:ext cx="9141120" cy="484920"/>
+            <a:ext cx="9140760" cy="484560"/>
           </a:xfrm>
           <a:prstGeom prst="rect">
             <a:avLst/>
@@ -14779,10 +14779,10 @@
         </p:nvGrpSpPr>
         <p:grpSpPr>
           <a:xfrm>
-            <a:off x="530280" y="1208160"/>
-            <a:ext cx="1340280" cy="14760"/>
-            <a:chOff x="530280" y="1208160"/>
-            <a:chExt cx="1340280" cy="14760"/>
+            <a:off x="530280" y="1208520"/>
+            <a:ext cx="1339920" cy="14400"/>
+            <a:chOff x="530280" y="1208520"/>
+            <a:chExt cx="1339920" cy="14400"/>
           </a:xfrm>
         </p:grpSpPr>
         <p:sp>
@@ -14793,8 +14793,8 @@
           </p:nvSpPr>
           <p:spPr>
             <a:xfrm rot="16200000">
-              <a:off x="1380600" y="732960"/>
-              <a:ext cx="14760" cy="964800"/>
+              <a:off x="1380600" y="733320"/>
+              <a:ext cx="14400" cy="964440"/>
             </a:xfrm>
             <a:prstGeom prst="rect">
               <a:avLst/>
@@ -14843,8 +14843,8 @@
           </p:nvSpPr>
           <p:spPr>
             <a:xfrm rot="16200000">
-              <a:off x="1009440" y="729000"/>
-              <a:ext cx="14760" cy="973080"/>
+              <a:off x="1009440" y="729360"/>
+              <a:ext cx="14400" cy="972720"/>
             </a:xfrm>
             <a:prstGeom prst="rect">
               <a:avLst/>
@@ -15623,7 +15623,7 @@
         <p:spPr>
           <a:xfrm>
             <a:off x="8536320" y="4749840"/>
-            <a:ext cx="545760" cy="390600"/>
+            <a:ext cx="545400" cy="390240"/>
           </a:xfrm>
           <a:prstGeom prst="rect">
             <a:avLst/>
@@ -15665,7 +15665,7 @@
                 <a:tab algn="l" pos="0"/>
               </a:tabLst>
             </a:pPr>
-            <a:fld id="{13D616C8-9DB0-4873-BEE9-F7B6926B3408}" type="slidenum">
+            <a:fld id="{6046C35E-0C44-4815-83F8-3251DEEC71DC}" type="slidenum">
               <a:rPr b="0" lang="it" sz="1000" spc="-1" strike="noStrike">
                 <a:solidFill>
                   <a:schemeClr val="accent1"/>
@@ -15726,7 +15726,7 @@
         <p:spPr>
           <a:xfrm>
             <a:off x="0" y="0"/>
-            <a:ext cx="9141120" cy="484920"/>
+            <a:ext cx="9140760" cy="484560"/>
           </a:xfrm>
           <a:prstGeom prst="rect">
             <a:avLst/>
@@ -15775,10 +15775,10 @@
         </p:nvGrpSpPr>
         <p:grpSpPr>
           <a:xfrm>
-            <a:off x="530280" y="1208160"/>
-            <a:ext cx="1340280" cy="14760"/>
-            <a:chOff x="530280" y="1208160"/>
-            <a:chExt cx="1340280" cy="14760"/>
+            <a:off x="530280" y="1208520"/>
+            <a:ext cx="1339920" cy="14400"/>
+            <a:chOff x="530280" y="1208520"/>
+            <a:chExt cx="1339920" cy="14400"/>
           </a:xfrm>
         </p:grpSpPr>
         <p:sp>
@@ -15789,8 +15789,8 @@
           </p:nvSpPr>
           <p:spPr>
             <a:xfrm rot="16200000">
-              <a:off x="1380600" y="732960"/>
-              <a:ext cx="14760" cy="964800"/>
+              <a:off x="1380600" y="733320"/>
+              <a:ext cx="14400" cy="964440"/>
             </a:xfrm>
             <a:prstGeom prst="rect">
               <a:avLst/>
@@ -15839,8 +15839,8 @@
           </p:nvSpPr>
           <p:spPr>
             <a:xfrm rot="16200000">
-              <a:off x="1009440" y="729000"/>
-              <a:ext cx="14760" cy="973080"/>
+              <a:off x="1009440" y="729360"/>
+              <a:ext cx="14400" cy="972720"/>
             </a:xfrm>
             <a:prstGeom prst="rect">
               <a:avLst/>
@@ -16844,7 +16844,7 @@
         <p:spPr>
           <a:xfrm>
             <a:off x="8536320" y="4749840"/>
-            <a:ext cx="545760" cy="390600"/>
+            <a:ext cx="545400" cy="390240"/>
           </a:xfrm>
           <a:prstGeom prst="rect">
             <a:avLst/>
@@ -16886,7 +16886,7 @@
                 <a:tab algn="l" pos="0"/>
               </a:tabLst>
             </a:pPr>
-            <a:fld id="{BD885F99-746E-4F60-90CA-5212B185BB11}" type="slidenum">
+            <a:fld id="{A9D76B87-FCF1-4753-8ED6-A81E1406CD51}" type="slidenum">
               <a:rPr b="0" lang="it" sz="1000" spc="-1" strike="noStrike">
                 <a:solidFill>
                   <a:schemeClr val="accent1"/>
@@ -16947,7 +16947,7 @@
         <p:spPr>
           <a:xfrm>
             <a:off x="0" y="0"/>
-            <a:ext cx="9141120" cy="484920"/>
+            <a:ext cx="9140760" cy="484560"/>
           </a:xfrm>
           <a:prstGeom prst="rect">
             <a:avLst/>
@@ -16996,10 +16996,10 @@
         </p:nvGrpSpPr>
         <p:grpSpPr>
           <a:xfrm>
-            <a:off x="530280" y="1208160"/>
-            <a:ext cx="1340280" cy="14760"/>
-            <a:chOff x="530280" y="1208160"/>
-            <a:chExt cx="1340280" cy="14760"/>
+            <a:off x="530280" y="1208520"/>
+            <a:ext cx="1339920" cy="14400"/>
+            <a:chOff x="530280" y="1208520"/>
+            <a:chExt cx="1339920" cy="14400"/>
           </a:xfrm>
         </p:grpSpPr>
         <p:sp>
@@ -17010,8 +17010,8 @@
           </p:nvSpPr>
           <p:spPr>
             <a:xfrm rot="16200000">
-              <a:off x="1380600" y="732960"/>
-              <a:ext cx="14760" cy="964800"/>
+              <a:off x="1380600" y="733320"/>
+              <a:ext cx="14400" cy="964440"/>
             </a:xfrm>
             <a:prstGeom prst="rect">
               <a:avLst/>
@@ -17060,8 +17060,8 @@
           </p:nvSpPr>
           <p:spPr>
             <a:xfrm rot="16200000">
-              <a:off x="1009440" y="729000"/>
-              <a:ext cx="14760" cy="973080"/>
+              <a:off x="1009440" y="729360"/>
+              <a:ext cx="14400" cy="972720"/>
             </a:xfrm>
             <a:prstGeom prst="rect">
               <a:avLst/>
@@ -17116,7 +17116,7 @@
         <p:spPr>
           <a:xfrm>
             <a:off x="8536320" y="4749840"/>
-            <a:ext cx="545760" cy="390600"/>
+            <a:ext cx="545400" cy="390240"/>
           </a:xfrm>
           <a:prstGeom prst="rect">
             <a:avLst/>
@@ -17158,7 +17158,7 @@
                 <a:tab algn="l" pos="0"/>
               </a:tabLst>
             </a:pPr>
-            <a:fld id="{8001D9FE-F38F-4BB5-B6E1-E789BDC1351F}" type="slidenum">
+            <a:fld id="{8480D75D-EEF3-4AA6-BBB8-CA820DDFE724}" type="slidenum">
               <a:rPr b="0" lang="it" sz="1000" spc="-1" strike="noStrike">
                 <a:solidFill>
                   <a:schemeClr val="accent1"/>
@@ -17219,7 +17219,7 @@
         <p:spPr>
           <a:xfrm>
             <a:off x="0" y="0"/>
-            <a:ext cx="9141120" cy="484920"/>
+            <a:ext cx="9140760" cy="484560"/>
           </a:xfrm>
           <a:prstGeom prst="rect">
             <a:avLst/>
@@ -17268,10 +17268,10 @@
         </p:nvGrpSpPr>
         <p:grpSpPr>
           <a:xfrm>
-            <a:off x="530280" y="1208160"/>
-            <a:ext cx="1340280" cy="14760"/>
-            <a:chOff x="530280" y="1208160"/>
-            <a:chExt cx="1340280" cy="14760"/>
+            <a:off x="530280" y="1208520"/>
+            <a:ext cx="1339920" cy="14400"/>
+            <a:chOff x="530280" y="1208520"/>
+            <a:chExt cx="1339920" cy="14400"/>
           </a:xfrm>
         </p:grpSpPr>
         <p:sp>
@@ -17282,8 +17282,8 @@
           </p:nvSpPr>
           <p:spPr>
             <a:xfrm rot="16200000">
-              <a:off x="1380600" y="732960"/>
-              <a:ext cx="14760" cy="964800"/>
+              <a:off x="1380600" y="733320"/>
+              <a:ext cx="14400" cy="964440"/>
             </a:xfrm>
             <a:prstGeom prst="rect">
               <a:avLst/>
@@ -17332,8 +17332,8 @@
           </p:nvSpPr>
           <p:spPr>
             <a:xfrm rot="16200000">
-              <a:off x="1009440" y="729000"/>
-              <a:ext cx="14760" cy="973080"/>
+              <a:off x="1009440" y="729360"/>
+              <a:ext cx="14400" cy="972720"/>
             </a:xfrm>
             <a:prstGeom prst="rect">
               <a:avLst/>
@@ -17388,7 +17388,7 @@
         <p:spPr>
           <a:xfrm>
             <a:off x="8536320" y="4749840"/>
-            <a:ext cx="545760" cy="390600"/>
+            <a:ext cx="545400" cy="390240"/>
           </a:xfrm>
           <a:prstGeom prst="rect">
             <a:avLst/>
@@ -17430,7 +17430,7 @@
                 <a:tab algn="l" pos="0"/>
               </a:tabLst>
             </a:pPr>
-            <a:fld id="{7F2B7700-C18D-4DED-B7D2-CD9D2D9230D1}" type="slidenum">
+            <a:fld id="{F36ABF18-67DC-462A-A56A-61D7E5D1664A}" type="slidenum">
               <a:rPr b="0" lang="it" sz="1000" spc="-1" strike="noStrike">
                 <a:solidFill>
                   <a:schemeClr val="accent1"/>
@@ -17765,7 +17765,7 @@
         <p:spPr>
           <a:xfrm>
             <a:off x="0" y="0"/>
-            <a:ext cx="9141120" cy="484920"/>
+            <a:ext cx="9140760" cy="484560"/>
           </a:xfrm>
           <a:prstGeom prst="rect">
             <a:avLst/>
@@ -17814,10 +17814,10 @@
         </p:nvGrpSpPr>
         <p:grpSpPr>
           <a:xfrm>
-            <a:off x="530280" y="1208160"/>
-            <a:ext cx="1340280" cy="14760"/>
-            <a:chOff x="530280" y="1208160"/>
-            <a:chExt cx="1340280" cy="14760"/>
+            <a:off x="530280" y="1208520"/>
+            <a:ext cx="1339920" cy="14400"/>
+            <a:chOff x="530280" y="1208520"/>
+            <a:chExt cx="1339920" cy="14400"/>
           </a:xfrm>
         </p:grpSpPr>
         <p:sp>
@@ -17828,8 +17828,8 @@
           </p:nvSpPr>
           <p:spPr>
             <a:xfrm rot="16200000">
-              <a:off x="1380600" y="732960"/>
-              <a:ext cx="14760" cy="964800"/>
+              <a:off x="1380600" y="733320"/>
+              <a:ext cx="14400" cy="964440"/>
             </a:xfrm>
             <a:prstGeom prst="rect">
               <a:avLst/>
@@ -17878,8 +17878,8 @@
           </p:nvSpPr>
           <p:spPr>
             <a:xfrm rot="16200000">
-              <a:off x="1009440" y="729000"/>
-              <a:ext cx="14760" cy="973080"/>
+              <a:off x="1009440" y="729360"/>
+              <a:ext cx="14400" cy="972720"/>
             </a:xfrm>
             <a:prstGeom prst="rect">
               <a:avLst/>
@@ -18208,7 +18208,7 @@
         <p:spPr>
           <a:xfrm>
             <a:off x="8536320" y="4749840"/>
-            <a:ext cx="545760" cy="390600"/>
+            <a:ext cx="545400" cy="390240"/>
           </a:xfrm>
           <a:prstGeom prst="rect">
             <a:avLst/>
@@ -18250,7 +18250,7 @@
                 <a:tab algn="l" pos="0"/>
               </a:tabLst>
             </a:pPr>
-            <a:fld id="{11F40241-CF7C-4D1C-B133-A9B71F851498}" type="slidenum">
+            <a:fld id="{AF827039-D796-4390-BF68-D59659708C6A}" type="slidenum">
               <a:rPr b="0" lang="it" sz="1000" spc="-1" strike="noStrike">
                 <a:solidFill>
                   <a:schemeClr val="accent1"/>
@@ -18311,7 +18311,7 @@
         <p:spPr>
           <a:xfrm>
             <a:off x="0" y="0"/>
-            <a:ext cx="9141120" cy="484920"/>
+            <a:ext cx="9140760" cy="484560"/>
           </a:xfrm>
           <a:prstGeom prst="rect">
             <a:avLst/>
@@ -18360,10 +18360,10 @@
         </p:nvGrpSpPr>
         <p:grpSpPr>
           <a:xfrm>
-            <a:off x="530280" y="1208160"/>
-            <a:ext cx="1340280" cy="14760"/>
-            <a:chOff x="530280" y="1208160"/>
-            <a:chExt cx="1340280" cy="14760"/>
+            <a:off x="530280" y="1208520"/>
+            <a:ext cx="1339920" cy="14400"/>
+            <a:chOff x="530280" y="1208520"/>
+            <a:chExt cx="1339920" cy="14400"/>
           </a:xfrm>
         </p:grpSpPr>
         <p:sp>
@@ -18374,8 +18374,8 @@
           </p:nvSpPr>
           <p:spPr>
             <a:xfrm rot="16200000">
-              <a:off x="1380600" y="732960"/>
-              <a:ext cx="14760" cy="964800"/>
+              <a:off x="1380600" y="733320"/>
+              <a:ext cx="14400" cy="964440"/>
             </a:xfrm>
             <a:prstGeom prst="rect">
               <a:avLst/>
@@ -18424,8 +18424,8 @@
           </p:nvSpPr>
           <p:spPr>
             <a:xfrm rot="16200000">
-              <a:off x="1009440" y="729000"/>
-              <a:ext cx="14760" cy="973080"/>
+              <a:off x="1009440" y="729360"/>
+              <a:ext cx="14400" cy="972720"/>
             </a:xfrm>
             <a:prstGeom prst="rect">
               <a:avLst/>
@@ -18754,7 +18754,7 @@
         <p:spPr>
           <a:xfrm>
             <a:off x="8536320" y="4749840"/>
-            <a:ext cx="545760" cy="390600"/>
+            <a:ext cx="545400" cy="390240"/>
           </a:xfrm>
           <a:prstGeom prst="rect">
             <a:avLst/>
@@ -18796,7 +18796,7 @@
                 <a:tab algn="l" pos="0"/>
               </a:tabLst>
             </a:pPr>
-            <a:fld id="{0C0D19AF-C35E-4686-992E-5E4E28914796}" type="slidenum">
+            <a:fld id="{05A031AD-5783-457B-9738-92657926A2FA}" type="slidenum">
               <a:rPr b="0" lang="it" sz="1000" spc="-1" strike="noStrike">
                 <a:solidFill>
                   <a:schemeClr val="accent1"/>
@@ -18857,7 +18857,7 @@
         <p:spPr>
           <a:xfrm>
             <a:off x="0" y="0"/>
-            <a:ext cx="9141120" cy="484920"/>
+            <a:ext cx="9140760" cy="484560"/>
           </a:xfrm>
           <a:prstGeom prst="rect">
             <a:avLst/>
@@ -18906,10 +18906,10 @@
         </p:nvGrpSpPr>
         <p:grpSpPr>
           <a:xfrm>
-            <a:off x="530280" y="1208160"/>
-            <a:ext cx="1340280" cy="14760"/>
-            <a:chOff x="530280" y="1208160"/>
-            <a:chExt cx="1340280" cy="14760"/>
+            <a:off x="530280" y="1208520"/>
+            <a:ext cx="1339920" cy="14400"/>
+            <a:chOff x="530280" y="1208520"/>
+            <a:chExt cx="1339920" cy="14400"/>
           </a:xfrm>
         </p:grpSpPr>
         <p:sp>
@@ -18920,8 +18920,8 @@
           </p:nvSpPr>
           <p:spPr>
             <a:xfrm rot="16200000">
-              <a:off x="1380600" y="732960"/>
-              <a:ext cx="14760" cy="964800"/>
+              <a:off x="1380600" y="733320"/>
+              <a:ext cx="14400" cy="964440"/>
             </a:xfrm>
             <a:prstGeom prst="rect">
               <a:avLst/>
@@ -18970,8 +18970,8 @@
           </p:nvSpPr>
           <p:spPr>
             <a:xfrm rot="16200000">
-              <a:off x="1009440" y="729000"/>
-              <a:ext cx="14760" cy="973080"/>
+              <a:off x="1009440" y="729360"/>
+              <a:ext cx="14400" cy="972720"/>
             </a:xfrm>
             <a:prstGeom prst="rect">
               <a:avLst/>
@@ -19525,7 +19525,7 @@
         <p:spPr>
           <a:xfrm>
             <a:off x="8536320" y="4749840"/>
-            <a:ext cx="545760" cy="390600"/>
+            <a:ext cx="545400" cy="390240"/>
           </a:xfrm>
           <a:prstGeom prst="rect">
             <a:avLst/>
@@ -19567,7 +19567,7 @@
                 <a:tab algn="l" pos="0"/>
               </a:tabLst>
             </a:pPr>
-            <a:fld id="{70EBE38A-9D05-4906-B537-AD39E3C9B642}" type="slidenum">
+            <a:fld id="{2128C8E4-9F34-4122-AFBF-C6FA75799441}" type="slidenum">
               <a:rPr b="0" lang="it" sz="1000" spc="-1" strike="noStrike">
                 <a:solidFill>
                   <a:schemeClr val="accent1"/>
@@ -19628,7 +19628,7 @@
         <p:spPr>
           <a:xfrm>
             <a:off x="0" y="0"/>
-            <a:ext cx="9141120" cy="484920"/>
+            <a:ext cx="9140760" cy="484560"/>
           </a:xfrm>
           <a:prstGeom prst="rect">
             <a:avLst/>
@@ -19677,10 +19677,10 @@
         </p:nvGrpSpPr>
         <p:grpSpPr>
           <a:xfrm>
-            <a:off x="530280" y="1208160"/>
-            <a:ext cx="1340280" cy="14760"/>
-            <a:chOff x="530280" y="1208160"/>
-            <a:chExt cx="1340280" cy="14760"/>
+            <a:off x="530280" y="1208520"/>
+            <a:ext cx="1339920" cy="14400"/>
+            <a:chOff x="530280" y="1208520"/>
+            <a:chExt cx="1339920" cy="14400"/>
           </a:xfrm>
         </p:grpSpPr>
         <p:sp>
@@ -19691,8 +19691,8 @@
           </p:nvSpPr>
           <p:spPr>
             <a:xfrm rot="16200000">
-              <a:off x="1380600" y="732960"/>
-              <a:ext cx="14760" cy="964800"/>
+              <a:off x="1380600" y="733320"/>
+              <a:ext cx="14400" cy="964440"/>
             </a:xfrm>
             <a:prstGeom prst="rect">
               <a:avLst/>
@@ -19741,8 +19741,8 @@
           </p:nvSpPr>
           <p:spPr>
             <a:xfrm rot="16200000">
-              <a:off x="1009440" y="729000"/>
-              <a:ext cx="14760" cy="973080"/>
+              <a:off x="1009440" y="729360"/>
+              <a:ext cx="14400" cy="972720"/>
             </a:xfrm>
             <a:prstGeom prst="rect">
               <a:avLst/>
@@ -19846,7 +19846,7 @@
         <p:spPr>
           <a:xfrm>
             <a:off x="8536320" y="4749840"/>
-            <a:ext cx="545760" cy="390600"/>
+            <a:ext cx="545400" cy="390240"/>
           </a:xfrm>
           <a:prstGeom prst="rect">
             <a:avLst/>
@@ -19888,7 +19888,7 @@
                 <a:tab algn="l" pos="0"/>
               </a:tabLst>
             </a:pPr>
-            <a:fld id="{1BE69972-A4CC-497A-B425-17C6A9F5ED62}" type="slidenum">
+            <a:fld id="{A176A8E5-58BF-4BA1-A054-F6B167B42FDE}" type="slidenum">
               <a:rPr b="0" lang="it" sz="1000" spc="-1" strike="noStrike">
                 <a:solidFill>
                   <a:schemeClr val="accent1"/>
@@ -19942,7 +19942,7 @@
         <p:spPr>
           <a:xfrm>
             <a:off x="729360" y="1215720"/>
-            <a:ext cx="7508880" cy="894600"/>
+            <a:ext cx="7508520" cy="894240"/>
           </a:xfrm>
           <a:prstGeom prst="rect">
             <a:avLst/>
@@ -19999,7 +19999,7 @@
         <p:spPr>
           <a:xfrm>
             <a:off x="5435640" y="3326040"/>
-            <a:ext cx="1750680" cy="428400"/>
+            <a:ext cx="1750320" cy="428040"/>
           </a:xfrm>
           <a:prstGeom prst="rect">
             <a:avLst/>
@@ -20056,7 +20056,7 @@
         <p:spPr>
           <a:xfrm>
             <a:off x="729360" y="1923120"/>
-            <a:ext cx="4308120" cy="700920"/>
+            <a:ext cx="4307760" cy="700920"/>
           </a:xfrm>
           <a:prstGeom prst="rect">
             <a:avLst/>
@@ -20117,7 +20117,7 @@
         <p:spPr>
           <a:xfrm>
             <a:off x="1440000" y="2700000"/>
-            <a:ext cx="2158200" cy="2158200"/>
+            <a:ext cx="2157840" cy="2157840"/>
           </a:xfrm>
           <a:prstGeom prst="rect">
             <a:avLst/>
@@ -20166,7 +20166,7 @@
         <p:spPr>
           <a:xfrm>
             <a:off x="729360" y="562680"/>
-            <a:ext cx="7686000" cy="649080"/>
+            <a:ext cx="7685640" cy="648720"/>
           </a:xfrm>
           <a:prstGeom prst="rect">
             <a:avLst/>
@@ -20226,7 +20226,7 @@
         <p:spPr>
           <a:xfrm>
             <a:off x="729360" y="1441800"/>
-            <a:ext cx="7686000" cy="2138040"/>
+            <a:ext cx="7685640" cy="2137320"/>
           </a:xfrm>
           <a:prstGeom prst="rect">
             <a:avLst/>
@@ -20397,7 +20397,7 @@
         <p:spPr>
           <a:xfrm>
             <a:off x="727560" y="789840"/>
-            <a:ext cx="7686000" cy="649080"/>
+            <a:ext cx="7685640" cy="648720"/>
           </a:xfrm>
           <a:prstGeom prst="rect">
             <a:avLst/>
@@ -20457,7 +20457,7 @@
         <p:spPr>
           <a:xfrm>
             <a:off x="729360" y="1441800"/>
-            <a:ext cx="7686000" cy="3704040"/>
+            <a:ext cx="7685640" cy="3704040"/>
           </a:xfrm>
           <a:prstGeom prst="rect">
             <a:avLst/>
@@ -20668,7 +20668,7 @@
         <p:spPr>
           <a:xfrm>
             <a:off x="729360" y="562680"/>
-            <a:ext cx="7686000" cy="649080"/>
+            <a:ext cx="7685640" cy="648720"/>
           </a:xfrm>
           <a:prstGeom prst="rect">
             <a:avLst/>
@@ -20728,7 +20728,7 @@
         <p:spPr>
           <a:xfrm>
             <a:off x="729360" y="1441800"/>
-            <a:ext cx="7686000" cy="305640"/>
+            <a:ext cx="7685640" cy="305640"/>
           </a:xfrm>
           <a:prstGeom prst="rect">
             <a:avLst/>
@@ -20757,27 +20757,7 @@
                 <a:tab algn="l" pos="0"/>
               </a:tabLst>
             </a:pPr>
-            <a:r>
-              <a:rPr b="0" lang="it" sz="1000" spc="-1" strike="noStrike">
-                <a:solidFill>
-                  <a:srgbClr val="000000"/>
-                </a:solidFill>
-                <a:latin typeface="Montserrat"/>
-                <a:ea typeface="Montserrat"/>
-              </a:rPr>
-              <a:t>…</a:t>
-            </a:r>
-            <a:r>
-              <a:rPr b="0" lang="it" sz="1000" spc="-1" strike="noStrike">
-                <a:solidFill>
-                  <a:srgbClr val="000000"/>
-                </a:solidFill>
-                <a:latin typeface="Montserrat"/>
-                <a:ea typeface="Montserrat"/>
-              </a:rPr>
-              <a:t>col team super</a:t>
-            </a:r>
-            <a:endParaRPr b="0" lang="it-IT" sz="1000" spc="-1" strike="noStrike">
+            <a:endParaRPr b="0" lang="it-IT" sz="1800" spc="-1" strike="noStrike">
               <a:solidFill>
                 <a:srgbClr val="000000"/>
               </a:solidFill>
@@ -20786,6 +20766,29 @@
           </a:p>
         </p:txBody>
       </p:sp>
+      <p:pic>
+        <p:nvPicPr>
+          <p:cNvPr id="311" name="" descr=""/>
+          <p:cNvPicPr/>
+          <p:nvPr/>
+        </p:nvPicPr>
+        <p:blipFill>
+          <a:blip r:embed="rId1"/>
+          <a:stretch/>
+        </p:blipFill>
+        <p:spPr>
+          <a:xfrm>
+            <a:off x="360000" y="1316880"/>
+            <a:ext cx="8460000" cy="3543120"/>
+          </a:xfrm>
+          <a:prstGeom prst="rect">
+            <a:avLst/>
+          </a:prstGeom>
+          <a:ln w="0">
+            <a:noFill/>
+          </a:ln>
+        </p:spPr>
+      </p:pic>
     </p:spTree>
   </p:cSld>
   <mc:AlternateContent>
@@ -20825,7 +20828,7 @@
         <p:spPr>
           <a:xfrm>
             <a:off x="729360" y="569520"/>
-            <a:ext cx="2633760" cy="893160"/>
+            <a:ext cx="2633400" cy="892800"/>
           </a:xfrm>
           <a:prstGeom prst="rect">
             <a:avLst/>
@@ -20882,7 +20885,7 @@
         <p:spPr>
           <a:xfrm>
             <a:off x="729360" y="1353600"/>
-            <a:ext cx="7686000" cy="2605680"/>
+            <a:ext cx="7685640" cy="2605320"/>
           </a:xfrm>
           <a:prstGeom prst="rect">
             <a:avLst/>
@@ -21159,7 +21162,7 @@
         <p:spPr>
           <a:xfrm>
             <a:off x="729360" y="569520"/>
-            <a:ext cx="2633760" cy="893160"/>
+            <a:ext cx="2633400" cy="892800"/>
           </a:xfrm>
           <a:prstGeom prst="rect">
             <a:avLst/>
@@ -21216,7 +21219,7 @@
         <p:spPr>
           <a:xfrm>
             <a:off x="729360" y="1353600"/>
-            <a:ext cx="7686000" cy="3505680"/>
+            <a:ext cx="7685640" cy="3505320"/>
           </a:xfrm>
           <a:prstGeom prst="rect">
             <a:avLst/>
@@ -21471,7 +21474,7 @@
         <p:spPr>
           <a:xfrm>
             <a:off x="729360" y="569520"/>
-            <a:ext cx="2633760" cy="532440"/>
+            <a:ext cx="2633400" cy="532080"/>
           </a:xfrm>
           <a:prstGeom prst="rect">
             <a:avLst/>
@@ -21528,7 +21531,7 @@
         <p:spPr>
           <a:xfrm>
             <a:off x="729360" y="1353600"/>
-            <a:ext cx="7686000" cy="3144240"/>
+            <a:ext cx="7685640" cy="3143880"/>
           </a:xfrm>
           <a:prstGeom prst="rect">
             <a:avLst/>
@@ -21827,7 +21830,7 @@
         <p:spPr>
           <a:xfrm>
             <a:off x="729360" y="569520"/>
-            <a:ext cx="4548960" cy="610200"/>
+            <a:ext cx="4548600" cy="609840"/>
           </a:xfrm>
           <a:prstGeom prst="rect">
             <a:avLst/>
@@ -21884,7 +21887,7 @@
         <p:spPr>
           <a:xfrm>
             <a:off x="729360" y="1353600"/>
-            <a:ext cx="7686000" cy="3145320"/>
+            <a:ext cx="7685640" cy="3144960"/>
           </a:xfrm>
           <a:prstGeom prst="rect">
             <a:avLst/>
@@ -22211,7 +22214,7 @@
         <p:spPr>
           <a:xfrm>
             <a:off x="729360" y="569520"/>
-            <a:ext cx="7188120" cy="624600"/>
+            <a:ext cx="7187760" cy="624240"/>
           </a:xfrm>
           <a:prstGeom prst="rect">
             <a:avLst/>
@@ -22268,7 +22271,7 @@
         <p:spPr>
           <a:xfrm>
             <a:off x="729360" y="1353600"/>
-            <a:ext cx="7686000" cy="3145320"/>
+            <a:ext cx="7685640" cy="3144960"/>
           </a:xfrm>
           <a:prstGeom prst="rect">
             <a:avLst/>
@@ -22439,7 +22442,7 @@
         <p:spPr>
           <a:xfrm>
             <a:off x="729360" y="569520"/>
-            <a:ext cx="2633760" cy="631800"/>
+            <a:ext cx="2633400" cy="631440"/>
           </a:xfrm>
           <a:prstGeom prst="rect">
             <a:avLst/>
@@ -22496,7 +22499,7 @@
         <p:spPr>
           <a:xfrm>
             <a:off x="729360" y="1353600"/>
-            <a:ext cx="7686000" cy="984600"/>
+            <a:ext cx="7685640" cy="984240"/>
           </a:xfrm>
           <a:prstGeom prst="rect">
             <a:avLst/>
@@ -22553,7 +22556,7 @@
         <p:spPr>
           <a:xfrm>
             <a:off x="727560" y="3839760"/>
-            <a:ext cx="1068840" cy="595080"/>
+            <a:ext cx="1068480" cy="594720"/>
           </a:xfrm>
           <a:prstGeom prst="rect">
             <a:avLst/>
@@ -22678,7 +22681,7 @@
         <p:spPr>
           <a:xfrm>
             <a:off x="2239920" y="2895120"/>
-            <a:ext cx="954720" cy="954720"/>
+            <a:ext cx="954360" cy="954360"/>
           </a:xfrm>
           <a:prstGeom prst="snip1Rect">
             <a:avLst>
@@ -22730,7 +22733,7 @@
         <p:spPr>
           <a:xfrm>
             <a:off x="2127960" y="3883680"/>
-            <a:ext cx="1068840" cy="595080"/>
+            <a:ext cx="1068480" cy="594720"/>
           </a:xfrm>
           <a:prstGeom prst="rect">
             <a:avLst/>
@@ -22855,7 +22858,7 @@
         <p:spPr>
           <a:xfrm>
             <a:off x="2208600" y="3580920"/>
-            <a:ext cx="1017360" cy="299880"/>
+            <a:ext cx="1017000" cy="299520"/>
           </a:xfrm>
           <a:prstGeom prst="rect">
             <a:avLst/>
@@ -22912,7 +22915,7 @@
         <p:spPr>
           <a:xfrm>
             <a:off x="3720960" y="2895120"/>
-            <a:ext cx="954720" cy="954720"/>
+            <a:ext cx="954360" cy="954360"/>
           </a:xfrm>
           <a:prstGeom prst="snip1Rect">
             <a:avLst>
@@ -22964,7 +22967,7 @@
         <p:spPr>
           <a:xfrm>
             <a:off x="3609000" y="3883680"/>
-            <a:ext cx="1068840" cy="595080"/>
+            <a:ext cx="1068480" cy="594720"/>
           </a:xfrm>
           <a:prstGeom prst="rect">
             <a:avLst/>
@@ -23099,7 +23102,7 @@
         <p:spPr>
           <a:xfrm>
             <a:off x="3689640" y="3580920"/>
-            <a:ext cx="1017360" cy="299880"/>
+            <a:ext cx="1017000" cy="299520"/>
           </a:xfrm>
           <a:prstGeom prst="rect">
             <a:avLst/>
@@ -23156,7 +23159,7 @@
         <p:spPr>
           <a:xfrm>
             <a:off x="5089680" y="3883680"/>
-            <a:ext cx="1068840" cy="595080"/>
+            <a:ext cx="1068480" cy="594720"/>
           </a:xfrm>
           <a:prstGeom prst="rect">
             <a:avLst/>
@@ -23281,7 +23284,7 @@
         <p:spPr>
           <a:xfrm>
             <a:off x="5170680" y="3580920"/>
-            <a:ext cx="1017360" cy="299880"/>
+            <a:ext cx="1017000" cy="299520"/>
           </a:xfrm>
           <a:prstGeom prst="rect">
             <a:avLst/>
@@ -23332,7 +23335,7 @@
         <p:spPr>
           <a:xfrm>
             <a:off x="5170680" y="2531880"/>
-            <a:ext cx="1354320" cy="1349280"/>
+            <a:ext cx="1353960" cy="1348920"/>
           </a:xfrm>
           <a:prstGeom prst="rect">
             <a:avLst/>
@@ -23355,7 +23358,7 @@
         <p:spPr>
           <a:xfrm>
             <a:off x="727560" y="2579760"/>
-            <a:ext cx="1249920" cy="1257480"/>
+            <a:ext cx="1249560" cy="1257120"/>
           </a:xfrm>
           <a:prstGeom prst="rect">
             <a:avLst/>
@@ -23378,7 +23381,7 @@
         <p:spPr>
           <a:xfrm>
             <a:off x="3689640" y="2533320"/>
-            <a:ext cx="1347840" cy="1347840"/>
+            <a:ext cx="1347480" cy="1347480"/>
           </a:xfrm>
           <a:prstGeom prst="rect">
             <a:avLst/>
@@ -23401,7 +23404,7 @@
         <p:spPr>
           <a:xfrm>
             <a:off x="2208600" y="2596680"/>
-            <a:ext cx="1284120" cy="1284120"/>
+            <a:ext cx="1283760" cy="1283760"/>
           </a:xfrm>
           <a:prstGeom prst="rect">
             <a:avLst/>
@@ -23450,7 +23453,7 @@
         <p:spPr>
           <a:xfrm>
             <a:off x="729360" y="789840"/>
-            <a:ext cx="7686000" cy="404280"/>
+            <a:ext cx="7685640" cy="403920"/>
           </a:xfrm>
           <a:prstGeom prst="rect">
             <a:avLst/>
@@ -23510,7 +23513,7 @@
         <p:spPr>
           <a:xfrm>
             <a:off x="1130400" y="1441800"/>
-            <a:ext cx="7284600" cy="487800"/>
+            <a:ext cx="7284240" cy="487800"/>
           </a:xfrm>
           <a:prstGeom prst="rect">
             <a:avLst/>
@@ -23577,7 +23580,7 @@
         <p:spPr>
           <a:xfrm>
             <a:off x="1130400" y="1934280"/>
-            <a:ext cx="7284600" cy="640440"/>
+            <a:ext cx="7284240" cy="640440"/>
           </a:xfrm>
           <a:prstGeom prst="rect">
             <a:avLst/>
@@ -23644,7 +23647,7 @@
         <p:spPr>
           <a:xfrm>
             <a:off x="1130400" y="2426760"/>
-            <a:ext cx="7284600" cy="487800"/>
+            <a:ext cx="7284240" cy="487800"/>
           </a:xfrm>
           <a:prstGeom prst="rect">
             <a:avLst/>
@@ -23711,7 +23714,7 @@
         <p:spPr>
           <a:xfrm>
             <a:off x="1130400" y="2919600"/>
-            <a:ext cx="7284600" cy="487800"/>
+            <a:ext cx="7284240" cy="487800"/>
           </a:xfrm>
           <a:prstGeom prst="rect">
             <a:avLst/>
@@ -23778,7 +23781,7 @@
         <p:spPr>
           <a:xfrm>
             <a:off x="1130400" y="3412080"/>
-            <a:ext cx="7284600" cy="793080"/>
+            <a:ext cx="7284240" cy="793080"/>
           </a:xfrm>
           <a:prstGeom prst="rect">
             <a:avLst/>
@@ -23845,7 +23848,7 @@
         <p:spPr>
           <a:xfrm>
             <a:off x="1130400" y="4212360"/>
-            <a:ext cx="7284600" cy="458280"/>
+            <a:ext cx="7284240" cy="458280"/>
           </a:xfrm>
           <a:prstGeom prst="rect">
             <a:avLst/>
@@ -23912,7 +23915,7 @@
         <p:spPr>
           <a:xfrm>
             <a:off x="651600" y="1550160"/>
-            <a:ext cx="335880" cy="335880"/>
+            <a:ext cx="335520" cy="335520"/>
           </a:xfrm>
           <a:prstGeom prst="rect">
             <a:avLst/>
@@ -23970,7 +23973,7 @@
         <p:spPr>
           <a:xfrm>
             <a:off x="651600" y="2011320"/>
-            <a:ext cx="335880" cy="335880"/>
+            <a:ext cx="335520" cy="335520"/>
           </a:xfrm>
           <a:prstGeom prst="rect">
             <a:avLst/>
@@ -24028,7 +24031,7 @@
         <p:spPr>
           <a:xfrm>
             <a:off x="651600" y="2503800"/>
-            <a:ext cx="335880" cy="335880"/>
+            <a:ext cx="335520" cy="335520"/>
           </a:xfrm>
           <a:prstGeom prst="rect">
             <a:avLst/>
@@ -24086,7 +24089,7 @@
         <p:spPr>
           <a:xfrm>
             <a:off x="651600" y="2996640"/>
-            <a:ext cx="335880" cy="335880"/>
+            <a:ext cx="335520" cy="335520"/>
           </a:xfrm>
           <a:prstGeom prst="rect">
             <a:avLst/>
@@ -24144,7 +24147,7 @@
         <p:spPr>
           <a:xfrm>
             <a:off x="651600" y="3489120"/>
-            <a:ext cx="335880" cy="335880"/>
+            <a:ext cx="335520" cy="335520"/>
           </a:xfrm>
           <a:prstGeom prst="rect">
             <a:avLst/>
@@ -24202,7 +24205,7 @@
         <p:spPr>
           <a:xfrm>
             <a:off x="651600" y="4212360"/>
-            <a:ext cx="335880" cy="335880"/>
+            <a:ext cx="335520" cy="335520"/>
           </a:xfrm>
           <a:prstGeom prst="rect">
             <a:avLst/>
@@ -24290,7 +24293,7 @@
         <p:spPr>
           <a:xfrm>
             <a:off x="729360" y="789840"/>
-            <a:ext cx="7686000" cy="404280"/>
+            <a:ext cx="7685640" cy="403920"/>
           </a:xfrm>
           <a:prstGeom prst="rect">
             <a:avLst/>
@@ -24350,7 +24353,7 @@
         <p:spPr>
           <a:xfrm>
             <a:off x="1130400" y="1496160"/>
-            <a:ext cx="1927800" cy="305640"/>
+            <a:ext cx="1927440" cy="305640"/>
           </a:xfrm>
           <a:prstGeom prst="rect">
             <a:avLst/>
@@ -24407,7 +24410,7 @@
         <p:spPr>
           <a:xfrm>
             <a:off x="651600" y="1550160"/>
-            <a:ext cx="244080" cy="227160"/>
+            <a:ext cx="243720" cy="226800"/>
           </a:xfrm>
           <a:prstGeom prst="rect">
             <a:avLst/>
@@ -24465,7 +24468,7 @@
         <p:spPr>
           <a:xfrm>
             <a:off x="1130400" y="1924920"/>
-            <a:ext cx="1927800" cy="305640"/>
+            <a:ext cx="1927440" cy="305640"/>
           </a:xfrm>
           <a:prstGeom prst="rect">
             <a:avLst/>
@@ -24522,7 +24525,7 @@
         <p:spPr>
           <a:xfrm>
             <a:off x="651600" y="1979280"/>
-            <a:ext cx="244080" cy="227160"/>
+            <a:ext cx="243720" cy="226800"/>
           </a:xfrm>
           <a:prstGeom prst="rect">
             <a:avLst/>
@@ -24580,7 +24583,7 @@
         <p:spPr>
           <a:xfrm>
             <a:off x="1130400" y="2353680"/>
-            <a:ext cx="1927800" cy="305640"/>
+            <a:ext cx="1927440" cy="305640"/>
           </a:xfrm>
           <a:prstGeom prst="rect">
             <a:avLst/>
@@ -24637,7 +24640,7 @@
         <p:spPr>
           <a:xfrm>
             <a:off x="651600" y="2408040"/>
-            <a:ext cx="244080" cy="227160"/>
+            <a:ext cx="243720" cy="226800"/>
           </a:xfrm>
           <a:prstGeom prst="rect">
             <a:avLst/>
@@ -24690,7 +24693,7 @@
         <p:spPr>
           <a:xfrm>
             <a:off x="1130400" y="2782800"/>
-            <a:ext cx="1927800" cy="305640"/>
+            <a:ext cx="1927440" cy="305640"/>
           </a:xfrm>
           <a:prstGeom prst="rect">
             <a:avLst/>
@@ -24747,7 +24750,7 @@
         <p:spPr>
           <a:xfrm>
             <a:off x="651600" y="2837160"/>
-            <a:ext cx="244080" cy="227160"/>
+            <a:ext cx="243720" cy="226800"/>
           </a:xfrm>
           <a:prstGeom prst="rect">
             <a:avLst/>
@@ -24805,7 +24808,7 @@
         <p:spPr>
           <a:xfrm>
             <a:off x="1130400" y="3211560"/>
-            <a:ext cx="1927800" cy="305640"/>
+            <a:ext cx="1927440" cy="305640"/>
           </a:xfrm>
           <a:prstGeom prst="rect">
             <a:avLst/>
@@ -24862,7 +24865,7 @@
         <p:spPr>
           <a:xfrm>
             <a:off x="651600" y="3265920"/>
-            <a:ext cx="244080" cy="227160"/>
+            <a:ext cx="243720" cy="226800"/>
           </a:xfrm>
           <a:prstGeom prst="rect">
             <a:avLst/>
@@ -24915,7 +24918,7 @@
         <p:spPr>
           <a:xfrm>
             <a:off x="1130400" y="3640680"/>
-            <a:ext cx="1927800" cy="305640"/>
+            <a:ext cx="1927440" cy="305640"/>
           </a:xfrm>
           <a:prstGeom prst="rect">
             <a:avLst/>
@@ -24972,7 +24975,7 @@
         <p:spPr>
           <a:xfrm>
             <a:off x="651600" y="3694680"/>
-            <a:ext cx="244080" cy="227160"/>
+            <a:ext cx="243720" cy="226800"/>
           </a:xfrm>
           <a:prstGeom prst="rect">
             <a:avLst/>
@@ -25030,7 +25033,7 @@
         <p:spPr>
           <a:xfrm>
             <a:off x="1130400" y="4242240"/>
-            <a:ext cx="7497000" cy="305640"/>
+            <a:ext cx="7496640" cy="305640"/>
           </a:xfrm>
           <a:prstGeom prst="rect">
             <a:avLst/>
@@ -25097,7 +25100,7 @@
         <p:spPr>
           <a:xfrm>
             <a:off x="651600" y="4296600"/>
-            <a:ext cx="244080" cy="227160"/>
+            <a:ext cx="243720" cy="226800"/>
           </a:xfrm>
           <a:prstGeom prst="rect">
             <a:avLst/>
@@ -25150,7 +25153,7 @@
         <p:spPr>
           <a:xfrm>
             <a:off x="5094720" y="1550160"/>
-            <a:ext cx="1927800" cy="305640"/>
+            <a:ext cx="1927440" cy="305640"/>
           </a:xfrm>
           <a:prstGeom prst="rect">
             <a:avLst/>
@@ -25207,7 +25210,7 @@
         <p:spPr>
           <a:xfrm>
             <a:off x="4615920" y="1604520"/>
-            <a:ext cx="244080" cy="227160"/>
+            <a:ext cx="243720" cy="226800"/>
           </a:xfrm>
           <a:prstGeom prst="rect">
             <a:avLst/>
@@ -25260,7 +25263,7 @@
         <p:spPr>
           <a:xfrm>
             <a:off x="5094720" y="1979280"/>
-            <a:ext cx="3029400" cy="305640"/>
+            <a:ext cx="3029040" cy="305640"/>
           </a:xfrm>
           <a:prstGeom prst="rect">
             <a:avLst/>
@@ -25317,7 +25320,7 @@
         <p:spPr>
           <a:xfrm>
             <a:off x="4615920" y="2033640"/>
-            <a:ext cx="244080" cy="227160"/>
+            <a:ext cx="243720" cy="226800"/>
           </a:xfrm>
           <a:prstGeom prst="rect">
             <a:avLst/>
@@ -25366,7 +25369,7 @@
         <p:spPr>
           <a:xfrm>
             <a:off x="5094720" y="2408040"/>
-            <a:ext cx="1927800" cy="305640"/>
+            <a:ext cx="1927440" cy="305640"/>
           </a:xfrm>
           <a:prstGeom prst="rect">
             <a:avLst/>
@@ -25423,7 +25426,7 @@
         <p:spPr>
           <a:xfrm>
             <a:off x="4615920" y="2462400"/>
-            <a:ext cx="244080" cy="227160"/>
+            <a:ext cx="243720" cy="226800"/>
           </a:xfrm>
           <a:prstGeom prst="rect">
             <a:avLst/>
@@ -25481,7 +25484,7 @@
         <p:spPr>
           <a:xfrm>
             <a:off x="5094720" y="2837160"/>
-            <a:ext cx="1927800" cy="305640"/>
+            <a:ext cx="1927440" cy="305640"/>
           </a:xfrm>
           <a:prstGeom prst="rect">
             <a:avLst/>
@@ -25538,7 +25541,7 @@
         <p:spPr>
           <a:xfrm>
             <a:off x="4615920" y="2891160"/>
-            <a:ext cx="244080" cy="227160"/>
+            <a:ext cx="243720" cy="226800"/>
           </a:xfrm>
           <a:prstGeom prst="rect">
             <a:avLst/>
@@ -25588,7 +25591,7 @@
         <p:spPr>
           <a:xfrm>
             <a:off x="5094720" y="3265920"/>
-            <a:ext cx="1927800" cy="305640"/>
+            <a:ext cx="1927440" cy="305640"/>
           </a:xfrm>
           <a:prstGeom prst="rect">
             <a:avLst/>
@@ -25645,7 +25648,7 @@
         <p:spPr>
           <a:xfrm>
             <a:off x="4615920" y="3320280"/>
-            <a:ext cx="244080" cy="227160"/>
+            <a:ext cx="243720" cy="226800"/>
           </a:xfrm>
           <a:prstGeom prst="rect">
             <a:avLst/>
@@ -25698,7 +25701,7 @@
         <p:spPr>
           <a:xfrm>
             <a:off x="5094720" y="3694680"/>
-            <a:ext cx="1927800" cy="305640"/>
+            <a:ext cx="1927440" cy="305640"/>
           </a:xfrm>
           <a:prstGeom prst="rect">
             <a:avLst/>
@@ -25755,7 +25758,7 @@
         <p:spPr>
           <a:xfrm>
             <a:off x="4615920" y="3749040"/>
-            <a:ext cx="244080" cy="227160"/>
+            <a:ext cx="243720" cy="226800"/>
           </a:xfrm>
           <a:prstGeom prst="rect">
             <a:avLst/>
